--- a/First Presentation.pptx
+++ b/First Presentation.pptx
@@ -13364,8 +13364,9 @@
           <a:p>
             <a:r>
               <a:rPr lang="de-AT" sz="7200"/>
-              <a:t>Working Title</a:t>
+              <a:t>Order Manager</a:t>
             </a:r>
+            <a:endParaRPr lang="de-AT" sz="7200" dirty="0"/>
           </a:p>
         </p:txBody>
       </p:sp>
